--- a/check-ins/Part_4_Capstone_Checkin.pptx
+++ b/check-ins/Part_4_Capstone_Checkin.pptx
@@ -220,7 +220,7 @@
           <a:p>
             <a:fld id="{AF869721-F543-4A6C-BF9D-65D7CC540427}" type="datetimeFigureOut">
               <a:rPr lang="en-US" smtClean="0"/>
-              <a:t>4/13/2020</a:t>
+              <a:t>4/15/2020</a:t>
             </a:fld>
             <a:endParaRPr lang="en-US" dirty="0"/>
           </a:p>
@@ -397,7 +397,7 @@
           <a:p>
             <a:fld id="{C732326A-4C88-4AFB-AA5B-5919D81DFF5B}" type="datetimeFigureOut">
               <a:rPr lang="en-US" smtClean="0"/>
-              <a:t>4/13/2020</a:t>
+              <a:t>4/15/2020</a:t>
             </a:fld>
             <a:endParaRPr lang="en-US" dirty="0"/>
           </a:p>
@@ -1077,7 +1077,7 @@
           <a:p>
             <a:fld id="{F31745FE-4CED-43F3-99E0-C1C5E2CD0E49}" type="datetime1">
               <a:rPr lang="en-US" smtClean="0"/>
-              <a:t>4/13/2020</a:t>
+              <a:t>4/15/2020</a:t>
             </a:fld>
             <a:endParaRPr lang="en-US" dirty="0"/>
           </a:p>
@@ -1340,7 +1340,7 @@
           <a:p>
             <a:fld id="{AD442332-0EEC-47EC-AE35-B3A306CE29FA}" type="datetime1">
               <a:rPr lang="en-US" smtClean="0"/>
-              <a:t>4/13/2020</a:t>
+              <a:t>4/15/2020</a:t>
             </a:fld>
             <a:endParaRPr lang="en-US" dirty="0"/>
           </a:p>
@@ -1576,7 +1576,7 @@
           <a:p>
             <a:fld id="{A0024685-B49A-4D09-945B-5E650EEA35FA}" type="datetime1">
               <a:rPr lang="en-US" smtClean="0"/>
-              <a:t>4/13/2020</a:t>
+              <a:t>4/15/2020</a:t>
             </a:fld>
             <a:endParaRPr lang="en-US" dirty="0"/>
           </a:p>
@@ -2082,7 +2082,7 @@
           <a:p>
             <a:fld id="{78A7FEE0-D1EE-4BBE-9F83-75AF99D063B7}" type="datetime1">
               <a:rPr lang="en-US" smtClean="0"/>
-              <a:t>4/13/2020</a:t>
+              <a:t>4/15/2020</a:t>
             </a:fld>
             <a:endParaRPr lang="en-US" dirty="0"/>
           </a:p>
@@ -2385,7 +2385,7 @@
           <a:p>
             <a:fld id="{AA8339B5-5575-4754-A95C-61BCAB4FE694}" type="datetime1">
               <a:rPr lang="en-US" smtClean="0"/>
-              <a:t>4/13/2020</a:t>
+              <a:t>4/15/2020</a:t>
             </a:fld>
             <a:endParaRPr lang="en-US" dirty="0"/>
           </a:p>
@@ -2808,7 +2808,7 @@
           <a:p>
             <a:fld id="{20838F0A-3607-429C-AD0C-BE5B9B27A50D}" type="datetime1">
               <a:rPr lang="en-US" smtClean="0"/>
-              <a:t>4/13/2020</a:t>
+              <a:t>4/15/2020</a:t>
             </a:fld>
             <a:endParaRPr lang="en-US" dirty="0"/>
           </a:p>
@@ -2904,7 +2904,7 @@
           <a:p>
             <a:fld id="{1801BFEA-A078-4716-849F-84014FF6B37A}" type="datetime1">
               <a:rPr lang="en-US" smtClean="0"/>
-              <a:t>4/13/2020</a:t>
+              <a:t>4/15/2020</a:t>
             </a:fld>
             <a:endParaRPr lang="en-US" dirty="0"/>
           </a:p>
@@ -3067,7 +3067,7 @@
           <a:p>
             <a:fld id="{179040CF-189E-4707-A0F9-859EB87EC0F6}" type="datetime1">
               <a:rPr lang="en-US" smtClean="0"/>
-              <a:t>4/13/2020</a:t>
+              <a:t>4/15/2020</a:t>
             </a:fld>
             <a:endParaRPr lang="en-US" dirty="0"/>
           </a:p>
@@ -3446,7 +3446,7 @@
           <a:p>
             <a:fld id="{D77CADA5-8237-4435-B872-B46D9438DC71}" type="datetime1">
               <a:rPr lang="en-US" smtClean="0"/>
-              <a:t>4/13/2020</a:t>
+              <a:t>4/15/2020</a:t>
             </a:fld>
             <a:endParaRPr lang="en-US" dirty="0"/>
           </a:p>
@@ -3736,7 +3736,7 @@
           <a:p>
             <a:fld id="{E6668319-C9DD-41CC-A645-0D5F8FFFFBD0}" type="datetime1">
               <a:rPr lang="en-US" smtClean="0"/>
-              <a:t>4/13/2020</a:t>
+              <a:t>4/15/2020</a:t>
             </a:fld>
             <a:endParaRPr lang="en-US" dirty="0"/>
           </a:p>
@@ -3948,7 +3948,7 @@
           <a:p>
             <a:fld id="{B5410247-A508-47AD-9FAE-04752A7C1F0F}" type="datetime1">
               <a:rPr lang="en-US" smtClean="0"/>
-              <a:t>4/13/2020</a:t>
+              <a:t>4/15/2020</a:t>
             </a:fld>
             <a:endParaRPr lang="en-US" dirty="0"/>
           </a:p>
@@ -7811,15 +7811,7 @@
           <a:p>
             <a:r>
               <a:rPr lang="en-SG" dirty="0"/>
-              <a:t>Report Card (as </a:t>
-            </a:r>
-            <a:r>
-              <a:rPr lang="en-SG"/>
-              <a:t>of 13-Apr</a:t>
-            </a:r>
-            <a:r>
-              <a:rPr lang="en-SG" dirty="0"/>
-              <a:t>)</a:t>
+              <a:t>Report Card (as of 15-Apr)</a:t>
             </a:r>
           </a:p>
         </p:txBody>
@@ -7840,7 +7832,7 @@
             <p:ph idx="1"/>
             <p:extLst>
               <p:ext uri="{D42A27DB-BD31-4B8C-83A1-F6EECF244321}">
-                <p14:modId xmlns:p14="http://schemas.microsoft.com/office/powerpoint/2010/main" val="1418356825"/>
+                <p14:modId xmlns:p14="http://schemas.microsoft.com/office/powerpoint/2010/main" val="3189445803"/>
               </p:ext>
             </p:extLst>
           </p:nvPr>
@@ -8141,7 +8133,7 @@
                       </a:pPr>
                       <a:r>
                         <a:rPr lang="en-SG" sz="1400" dirty="0"/>
-                        <a:t>Balanced accuracy score: 0.393</a:t>
+                        <a:t>Balanced accuracy score: 0.397</a:t>
                       </a:r>
                     </a:p>
                     <a:p>
@@ -8151,7 +8143,7 @@
                       </a:pPr>
                       <a:r>
                         <a:rPr lang="en-SG" sz="1400" dirty="0"/>
-                        <a:t>Balanced F1 score: 0.415</a:t>
+                        <a:t>Balanced F1 score: 0.443</a:t>
                       </a:r>
                     </a:p>
                     <a:p>
@@ -8161,7 +8153,7 @@
                       </a:pPr>
                       <a:r>
                         <a:rPr lang="en-SG" sz="1400" dirty="0"/>
-                        <a:t>Micro-average AUC: 0.713</a:t>
+                        <a:t>Micro-average AUC: 0.663</a:t>
                       </a:r>
                     </a:p>
                   </a:txBody>
@@ -9902,12 +9894,12 @@
 </file>
 
 <file path=customXml/item1.xml><?xml version="1.0" encoding="utf-8"?>
-<p:properties xmlns:p="http://schemas.microsoft.com/office/2006/metadata/properties" xmlns:xsi="http://www.w3.org/2001/XMLSchema-instance" xmlns:pc="http://schemas.microsoft.com/office/infopath/2007/PartnerControls">
-  <documentManagement>
-    <Status xmlns="71af3243-3dd4-4a8d-8c0d-dd76da1f02a5">Not started</Status>
-    <MediaServiceKeyPoints xmlns="71af3243-3dd4-4a8d-8c0d-dd76da1f02a5" xsi:nil="true"/>
-  </documentManagement>
-</p:properties>
+<?mso-contentType ?>
+<FormTemplates xmlns="http://schemas.microsoft.com/sharepoint/v3/contenttype/forms">
+  <Display>DocumentLibraryForm</Display>
+  <Edit>DocumentLibraryForm</Edit>
+  <New>DocumentLibraryForm</New>
+</FormTemplates>
 </file>
 
 <file path=customXml/item2.xml><?xml version="1.0" encoding="utf-8"?>
@@ -10132,20 +10124,18 @@
 </file>
 
 <file path=customXml/item3.xml><?xml version="1.0" encoding="utf-8"?>
-<?mso-contentType ?>
-<FormTemplates xmlns="http://schemas.microsoft.com/sharepoint/v3/contenttype/forms">
-  <Display>DocumentLibraryForm</Display>
-  <Edit>DocumentLibraryForm</Edit>
-  <New>DocumentLibraryForm</New>
-</FormTemplates>
+<p:properties xmlns:p="http://schemas.microsoft.com/office/2006/metadata/properties" xmlns:xsi="http://www.w3.org/2001/XMLSchema-instance" xmlns:pc="http://schemas.microsoft.com/office/infopath/2007/PartnerControls">
+  <documentManagement>
+    <Status xmlns="71af3243-3dd4-4a8d-8c0d-dd76da1f02a5">Not started</Status>
+    <MediaServiceKeyPoints xmlns="71af3243-3dd4-4a8d-8c0d-dd76da1f02a5" xsi:nil="true"/>
+  </documentManagement>
+</p:properties>
 </file>
 
 <file path=customXml/itemProps1.xml><?xml version="1.0" encoding="utf-8"?>
-<ds:datastoreItem xmlns:ds="http://schemas.openxmlformats.org/officeDocument/2006/customXml" ds:itemID="{55B48092-4A2C-4E16-B971-9ACADFFF69E4}">
+<ds:datastoreItem xmlns:ds="http://schemas.openxmlformats.org/officeDocument/2006/customXml" ds:itemID="{3E586370-B0FB-4108-8B4F-329716A22E3A}">
   <ds:schemaRefs>
-    <ds:schemaRef ds:uri="http://schemas.microsoft.com/office/2006/metadata/properties"/>
-    <ds:schemaRef ds:uri="http://schemas.microsoft.com/office/infopath/2007/PartnerControls"/>
-    <ds:schemaRef ds:uri="71af3243-3dd4-4a8d-8c0d-dd76da1f02a5"/>
+    <ds:schemaRef ds:uri="http://schemas.microsoft.com/sharepoint/v3/contenttype/forms"/>
   </ds:schemaRefs>
 </ds:datastoreItem>
 </file>
@@ -10170,9 +10160,11 @@
 </file>
 
 <file path=customXml/itemProps3.xml><?xml version="1.0" encoding="utf-8"?>
-<ds:datastoreItem xmlns:ds="http://schemas.openxmlformats.org/officeDocument/2006/customXml" ds:itemID="{3E586370-B0FB-4108-8B4F-329716A22E3A}">
+<ds:datastoreItem xmlns:ds="http://schemas.openxmlformats.org/officeDocument/2006/customXml" ds:itemID="{55B48092-4A2C-4E16-B971-9ACADFFF69E4}">
   <ds:schemaRefs>
-    <ds:schemaRef ds:uri="http://schemas.microsoft.com/sharepoint/v3/contenttype/forms"/>
+    <ds:schemaRef ds:uri="http://schemas.microsoft.com/office/2006/metadata/properties"/>
+    <ds:schemaRef ds:uri="http://schemas.microsoft.com/office/infopath/2007/PartnerControls"/>
+    <ds:schemaRef ds:uri="71af3243-3dd4-4a8d-8c0d-dd76da1f02a5"/>
   </ds:schemaRefs>
 </ds:datastoreItem>
 </file>
--- a/check-ins/Part_4_Capstone_Checkin.pptx
+++ b/check-ins/Part_4_Capstone_Checkin.pptx
@@ -220,7 +220,7 @@
           <a:p>
             <a:fld id="{AF869721-F543-4A6C-BF9D-65D7CC540427}" type="datetimeFigureOut">
               <a:rPr lang="en-US" smtClean="0"/>
-              <a:t>4/15/2020</a:t>
+              <a:t>4/16/2020</a:t>
             </a:fld>
             <a:endParaRPr lang="en-US" dirty="0"/>
           </a:p>
@@ -397,7 +397,7 @@
           <a:p>
             <a:fld id="{C732326A-4C88-4AFB-AA5B-5919D81DFF5B}" type="datetimeFigureOut">
               <a:rPr lang="en-US" smtClean="0"/>
-              <a:t>4/15/2020</a:t>
+              <a:t>4/16/2020</a:t>
             </a:fld>
             <a:endParaRPr lang="en-US" dirty="0"/>
           </a:p>
@@ -1077,7 +1077,7 @@
           <a:p>
             <a:fld id="{F31745FE-4CED-43F3-99E0-C1C5E2CD0E49}" type="datetime1">
               <a:rPr lang="en-US" smtClean="0"/>
-              <a:t>4/15/2020</a:t>
+              <a:t>4/16/2020</a:t>
             </a:fld>
             <a:endParaRPr lang="en-US" dirty="0"/>
           </a:p>
@@ -1340,7 +1340,7 @@
           <a:p>
             <a:fld id="{AD442332-0EEC-47EC-AE35-B3A306CE29FA}" type="datetime1">
               <a:rPr lang="en-US" smtClean="0"/>
-              <a:t>4/15/2020</a:t>
+              <a:t>4/16/2020</a:t>
             </a:fld>
             <a:endParaRPr lang="en-US" dirty="0"/>
           </a:p>
@@ -1576,7 +1576,7 @@
           <a:p>
             <a:fld id="{A0024685-B49A-4D09-945B-5E650EEA35FA}" type="datetime1">
               <a:rPr lang="en-US" smtClean="0"/>
-              <a:t>4/15/2020</a:t>
+              <a:t>4/16/2020</a:t>
             </a:fld>
             <a:endParaRPr lang="en-US" dirty="0"/>
           </a:p>
@@ -2082,7 +2082,7 @@
           <a:p>
             <a:fld id="{78A7FEE0-D1EE-4BBE-9F83-75AF99D063B7}" type="datetime1">
               <a:rPr lang="en-US" smtClean="0"/>
-              <a:t>4/15/2020</a:t>
+              <a:t>4/16/2020</a:t>
             </a:fld>
             <a:endParaRPr lang="en-US" dirty="0"/>
           </a:p>
@@ -2385,7 +2385,7 @@
           <a:p>
             <a:fld id="{AA8339B5-5575-4754-A95C-61BCAB4FE694}" type="datetime1">
               <a:rPr lang="en-US" smtClean="0"/>
-              <a:t>4/15/2020</a:t>
+              <a:t>4/16/2020</a:t>
             </a:fld>
             <a:endParaRPr lang="en-US" dirty="0"/>
           </a:p>
@@ -2808,7 +2808,7 @@
           <a:p>
             <a:fld id="{20838F0A-3607-429C-AD0C-BE5B9B27A50D}" type="datetime1">
               <a:rPr lang="en-US" smtClean="0"/>
-              <a:t>4/15/2020</a:t>
+              <a:t>4/16/2020</a:t>
             </a:fld>
             <a:endParaRPr lang="en-US" dirty="0"/>
           </a:p>
@@ -2904,7 +2904,7 @@
           <a:p>
             <a:fld id="{1801BFEA-A078-4716-849F-84014FF6B37A}" type="datetime1">
               <a:rPr lang="en-US" smtClean="0"/>
-              <a:t>4/15/2020</a:t>
+              <a:t>4/16/2020</a:t>
             </a:fld>
             <a:endParaRPr lang="en-US" dirty="0"/>
           </a:p>
@@ -3067,7 +3067,7 @@
           <a:p>
             <a:fld id="{179040CF-189E-4707-A0F9-859EB87EC0F6}" type="datetime1">
               <a:rPr lang="en-US" smtClean="0"/>
-              <a:t>4/15/2020</a:t>
+              <a:t>4/16/2020</a:t>
             </a:fld>
             <a:endParaRPr lang="en-US" dirty="0"/>
           </a:p>
@@ -3446,7 +3446,7 @@
           <a:p>
             <a:fld id="{D77CADA5-8237-4435-B872-B46D9438DC71}" type="datetime1">
               <a:rPr lang="en-US" smtClean="0"/>
-              <a:t>4/15/2020</a:t>
+              <a:t>4/16/2020</a:t>
             </a:fld>
             <a:endParaRPr lang="en-US" dirty="0"/>
           </a:p>
@@ -3736,7 +3736,7 @@
           <a:p>
             <a:fld id="{E6668319-C9DD-41CC-A645-0D5F8FFFFBD0}" type="datetime1">
               <a:rPr lang="en-US" smtClean="0"/>
-              <a:t>4/15/2020</a:t>
+              <a:t>4/16/2020</a:t>
             </a:fld>
             <a:endParaRPr lang="en-US" dirty="0"/>
           </a:p>
@@ -3948,7 +3948,7 @@
           <a:p>
             <a:fld id="{B5410247-A508-47AD-9FAE-04752A7C1F0F}" type="datetime1">
               <a:rPr lang="en-US" smtClean="0"/>
-              <a:t>4/15/2020</a:t>
+              <a:t>4/16/2020</a:t>
             </a:fld>
             <a:endParaRPr lang="en-US" dirty="0"/>
           </a:p>
@@ -7832,7 +7832,7 @@
             <p:ph idx="1"/>
             <p:extLst>
               <p:ext uri="{D42A27DB-BD31-4B8C-83A1-F6EECF244321}">
-                <p14:modId xmlns:p14="http://schemas.microsoft.com/office/powerpoint/2010/main" val="3189445803"/>
+                <p14:modId xmlns:p14="http://schemas.microsoft.com/office/powerpoint/2010/main" val="133706311"/>
               </p:ext>
             </p:extLst>
           </p:nvPr>
@@ -8123,7 +8123,15 @@
                       </a:pPr>
                       <a:r>
                         <a:rPr lang="en-SG" sz="1400" dirty="0"/>
-                        <a:t>Forward Neural Network based on mean Word2Vec word embeddings:</a:t>
+                        <a:t>Logistic </a:t>
+                      </a:r>
+                      <a:r>
+                        <a:rPr lang="en-SG" sz="1400"/>
+                        <a:t>Regression Classifier based </a:t>
+                      </a:r>
+                      <a:r>
+                        <a:rPr lang="en-SG" sz="1400" dirty="0"/>
+                        <a:t>on mean Word2Vec word embeddings:</a:t>
                       </a:r>
                     </a:p>
                     <a:p>
@@ -9894,12 +9902,12 @@
 </file>
 
 <file path=customXml/item1.xml><?xml version="1.0" encoding="utf-8"?>
-<?mso-contentType ?>
-<FormTemplates xmlns="http://schemas.microsoft.com/sharepoint/v3/contenttype/forms">
-  <Display>DocumentLibraryForm</Display>
-  <Edit>DocumentLibraryForm</Edit>
-  <New>DocumentLibraryForm</New>
-</FormTemplates>
+<p:properties xmlns:p="http://schemas.microsoft.com/office/2006/metadata/properties" xmlns:xsi="http://www.w3.org/2001/XMLSchema-instance" xmlns:pc="http://schemas.microsoft.com/office/infopath/2007/PartnerControls">
+  <documentManagement>
+    <Status xmlns="71af3243-3dd4-4a8d-8c0d-dd76da1f02a5">Not started</Status>
+    <MediaServiceKeyPoints xmlns="71af3243-3dd4-4a8d-8c0d-dd76da1f02a5" xsi:nil="true"/>
+  </documentManagement>
+</p:properties>
 </file>
 
 <file path=customXml/item2.xml><?xml version="1.0" encoding="utf-8"?>
@@ -10124,18 +10132,20 @@
 </file>
 
 <file path=customXml/item3.xml><?xml version="1.0" encoding="utf-8"?>
-<p:properties xmlns:p="http://schemas.microsoft.com/office/2006/metadata/properties" xmlns:xsi="http://www.w3.org/2001/XMLSchema-instance" xmlns:pc="http://schemas.microsoft.com/office/infopath/2007/PartnerControls">
-  <documentManagement>
-    <Status xmlns="71af3243-3dd4-4a8d-8c0d-dd76da1f02a5">Not started</Status>
-    <MediaServiceKeyPoints xmlns="71af3243-3dd4-4a8d-8c0d-dd76da1f02a5" xsi:nil="true"/>
-  </documentManagement>
-</p:properties>
+<?mso-contentType ?>
+<FormTemplates xmlns="http://schemas.microsoft.com/sharepoint/v3/contenttype/forms">
+  <Display>DocumentLibraryForm</Display>
+  <Edit>DocumentLibraryForm</Edit>
+  <New>DocumentLibraryForm</New>
+</FormTemplates>
 </file>
 
 <file path=customXml/itemProps1.xml><?xml version="1.0" encoding="utf-8"?>
-<ds:datastoreItem xmlns:ds="http://schemas.openxmlformats.org/officeDocument/2006/customXml" ds:itemID="{3E586370-B0FB-4108-8B4F-329716A22E3A}">
+<ds:datastoreItem xmlns:ds="http://schemas.openxmlformats.org/officeDocument/2006/customXml" ds:itemID="{55B48092-4A2C-4E16-B971-9ACADFFF69E4}">
   <ds:schemaRefs>
-    <ds:schemaRef ds:uri="http://schemas.microsoft.com/sharepoint/v3/contenttype/forms"/>
+    <ds:schemaRef ds:uri="http://schemas.microsoft.com/office/2006/metadata/properties"/>
+    <ds:schemaRef ds:uri="http://schemas.microsoft.com/office/infopath/2007/PartnerControls"/>
+    <ds:schemaRef ds:uri="71af3243-3dd4-4a8d-8c0d-dd76da1f02a5"/>
   </ds:schemaRefs>
 </ds:datastoreItem>
 </file>
@@ -10160,11 +10170,9 @@
 </file>
 
 <file path=customXml/itemProps3.xml><?xml version="1.0" encoding="utf-8"?>
-<ds:datastoreItem xmlns:ds="http://schemas.openxmlformats.org/officeDocument/2006/customXml" ds:itemID="{55B48092-4A2C-4E16-B971-9ACADFFF69E4}">
+<ds:datastoreItem xmlns:ds="http://schemas.openxmlformats.org/officeDocument/2006/customXml" ds:itemID="{3E586370-B0FB-4108-8B4F-329716A22E3A}">
   <ds:schemaRefs>
-    <ds:schemaRef ds:uri="http://schemas.microsoft.com/office/2006/metadata/properties"/>
-    <ds:schemaRef ds:uri="http://schemas.microsoft.com/office/infopath/2007/PartnerControls"/>
-    <ds:schemaRef ds:uri="71af3243-3dd4-4a8d-8c0d-dd76da1f02a5"/>
+    <ds:schemaRef ds:uri="http://schemas.microsoft.com/sharepoint/v3/contenttype/forms"/>
   </ds:schemaRefs>
 </ds:datastoreItem>
 </file>